--- a/02_Basics of PL SQL/02-03_en_Packages.pptx
+++ b/02_Basics of PL SQL/02-03_en_Packages.pptx
@@ -19,6 +19,7 @@
     <p:sldId id="374" r:id="rId13"/>
     <p:sldId id="375" r:id="rId14"/>
     <p:sldId id="385" r:id="rId15"/>
+    <p:sldId id="378" r:id="rId16"/>
   </p:sldIdLst>
   <p:sldSz cx="9144000" cy="6858000" type="screen4x3"/>
   <p:notesSz cx="6858000" cy="9144000"/>
@@ -5744,6 +5745,270 @@
 </p:sld>
 </file>
 
+<file path=ppt/slides/slide15.xml><?xml version="1.0" encoding="utf-8"?>
+<p:sld xmlns:a="http://schemas.openxmlformats.org/drawingml/2006/main" xmlns:r="http://schemas.openxmlformats.org/officeDocument/2006/relationships" xmlns:p="http://schemas.openxmlformats.org/presentationml/2006/main">
+  <p:cSld>
+    <p:spTree>
+      <p:nvGrpSpPr>
+        <p:cNvPr id="1" name=""/>
+        <p:cNvGrpSpPr/>
+        <p:nvPr/>
+      </p:nvGrpSpPr>
+      <p:grpSpPr>
+        <a:xfrm>
+          <a:off x="0" y="0"/>
+          <a:ext cx="0" cy="0"/>
+          <a:chOff x="0" y="0"/>
+          <a:chExt cx="0" cy="0"/>
+        </a:xfrm>
+      </p:grpSpPr>
+      <p:sp>
+        <p:nvSpPr>
+          <p:cNvPr id="2" name="Title 1"/>
+          <p:cNvSpPr>
+            <a:spLocks noGrp="1"/>
+          </p:cNvSpPr>
+          <p:nvPr>
+            <p:ph type="title"/>
+          </p:nvPr>
+        </p:nvSpPr>
+        <p:spPr>
+          <a:xfrm>
+            <a:off x="152400" y="76200"/>
+            <a:ext cx="8763000" cy="1143000"/>
+          </a:xfrm>
+        </p:spPr>
+        <p:txBody>
+          <a:bodyPr anchor="ctr">
+            <a:normAutofit fontScale="90000"/>
+          </a:bodyPr>
+          <a:lstStyle/>
+          <a:p>
+            <a:pPr algn="ctr"/>
+            <a:r>
+              <a:rPr lang="ro-RO" sz="3600" dirty="0" err="1">
+                <a:latin typeface="American Typewriter"/>
+                <a:ea typeface="Arial Unicode MS" panose="020B0604020202020204" pitchFamily="34" charset="-128"/>
+                <a:cs typeface="American Typewriter"/>
+              </a:rPr>
+              <a:t>Git</a:t>
+            </a:r>
+            <a:r>
+              <a:rPr lang="ro-RO" sz="3600" dirty="0">
+                <a:latin typeface="American Typewriter"/>
+                <a:ea typeface="Arial Unicode MS" panose="020B0604020202020204" pitchFamily="34" charset="-128"/>
+                <a:cs typeface="American Typewriter"/>
+              </a:rPr>
+              <a:t> Hub </a:t>
+            </a:r>
+            <a:r>
+              <a:rPr lang="ro-RO" sz="3600" dirty="0" err="1">
+                <a:latin typeface="American Typewriter"/>
+                <a:ea typeface="Arial Unicode MS" panose="020B0604020202020204" pitchFamily="34" charset="-128"/>
+                <a:cs typeface="American Typewriter"/>
+              </a:rPr>
+              <a:t>Scripts</a:t>
+            </a:r>
+            <a:r>
+              <a:rPr lang="ro-RO" sz="3600" dirty="0">
+                <a:latin typeface="American Typewriter"/>
+                <a:ea typeface="Arial Unicode MS" panose="020B0604020202020204" pitchFamily="34" charset="-128"/>
+                <a:cs typeface="American Typewriter"/>
+              </a:rPr>
+              <a:t> Associated </a:t>
+            </a:r>
+            <a:r>
+              <a:rPr lang="ro-RO" sz="3600" dirty="0" err="1">
+                <a:latin typeface="American Typewriter"/>
+                <a:ea typeface="Arial Unicode MS" panose="020B0604020202020204" pitchFamily="34" charset="-128"/>
+                <a:cs typeface="American Typewriter"/>
+              </a:rPr>
+              <a:t>with</a:t>
+            </a:r>
+            <a:r>
+              <a:rPr lang="ro-RO" sz="3600" dirty="0">
+                <a:latin typeface="American Typewriter"/>
+                <a:ea typeface="Arial Unicode MS" panose="020B0604020202020204" pitchFamily="34" charset="-128"/>
+                <a:cs typeface="American Typewriter"/>
+              </a:rPr>
+              <a:t> </a:t>
+            </a:r>
+            <a:r>
+              <a:rPr lang="ro-RO" sz="3600" dirty="0" err="1">
+                <a:latin typeface="American Typewriter"/>
+                <a:ea typeface="Arial Unicode MS" panose="020B0604020202020204" pitchFamily="34" charset="-128"/>
+                <a:cs typeface="American Typewriter"/>
+              </a:rPr>
+              <a:t>this</a:t>
+            </a:r>
+            <a:r>
+              <a:rPr lang="ro-RO" sz="3600" dirty="0">
+                <a:latin typeface="American Typewriter"/>
+                <a:ea typeface="Arial Unicode MS" panose="020B0604020202020204" pitchFamily="34" charset="-128"/>
+                <a:cs typeface="American Typewriter"/>
+              </a:rPr>
+              <a:t> </a:t>
+            </a:r>
+            <a:r>
+              <a:rPr lang="ro-RO" sz="3600" dirty="0" err="1">
+                <a:latin typeface="American Typewriter"/>
+                <a:ea typeface="Arial Unicode MS" panose="020B0604020202020204" pitchFamily="34" charset="-128"/>
+                <a:cs typeface="American Typewriter"/>
+              </a:rPr>
+              <a:t>Presentation</a:t>
+            </a:r>
+            <a:endParaRPr lang="en-US" sz="3600" dirty="0">
+              <a:latin typeface="American Typewriter"/>
+              <a:ea typeface="Arial Unicode MS" panose="020B0604020202020204" pitchFamily="34" charset="-128"/>
+              <a:cs typeface="American Typewriter"/>
+            </a:endParaRPr>
+          </a:p>
+        </p:txBody>
+      </p:sp>
+      <p:sp>
+        <p:nvSpPr>
+          <p:cNvPr id="3" name="Content Placeholder 2"/>
+          <p:cNvSpPr>
+            <a:spLocks noGrp="1"/>
+          </p:cNvSpPr>
+          <p:nvPr>
+            <p:ph idx="1"/>
+          </p:nvPr>
+        </p:nvSpPr>
+        <p:spPr>
+          <a:xfrm>
+            <a:off x="685800" y="1219200"/>
+            <a:ext cx="8305800" cy="5638800"/>
+          </a:xfrm>
+        </p:spPr>
+        <p:txBody>
+          <a:bodyPr>
+            <a:normAutofit/>
+          </a:bodyPr>
+          <a:lstStyle/>
+          <a:p>
+            <a:r>
+              <a:rPr lang="ro-RO" sz="3000" dirty="0">
+                <a:latin typeface="Avenir Medium"/>
+                <a:cs typeface="Avenir Medium"/>
+                <a:hlinkClick r:id="rId2"/>
+              </a:rPr>
+              <a:t>https://github.com/marinfotache/Database-Logic-in-Business-Applications/tree/master/02_Basics%20of%20PL%20SQL</a:t>
+            </a:r>
+            <a:endParaRPr lang="ro-RO" sz="3000" dirty="0">
+              <a:latin typeface="Avenir Medium"/>
+              <a:cs typeface="Avenir Medium"/>
+            </a:endParaRPr>
+          </a:p>
+          <a:p>
+            <a:pPr lvl="1"/>
+            <a:r>
+              <a:rPr lang="ro-RO" sz="2600" dirty="0">
+                <a:latin typeface="Avenir Medium"/>
+                <a:cs typeface="Avenir Medium"/>
+              </a:rPr>
+              <a:t>02_03a...</a:t>
+            </a:r>
+          </a:p>
+          <a:p>
+            <a:pPr lvl="1"/>
+            <a:r>
+              <a:rPr lang="ro-RO" sz="2600" dirty="0">
+                <a:latin typeface="Avenir Medium"/>
+                <a:cs typeface="Avenir Medium"/>
+              </a:rPr>
+              <a:t>02_03b...</a:t>
+            </a:r>
+          </a:p>
+          <a:p>
+            <a:pPr lvl="1"/>
+            <a:r>
+              <a:rPr lang="ro-RO" sz="2600" dirty="0">
+                <a:latin typeface="Avenir Medium"/>
+                <a:cs typeface="Avenir Medium"/>
+              </a:rPr>
+              <a:t>02_03c...</a:t>
+            </a:r>
+          </a:p>
+          <a:p>
+            <a:pPr lvl="1"/>
+            <a:r>
+              <a:rPr lang="ro-RO" sz="2600" dirty="0">
+                <a:latin typeface="Avenir Medium"/>
+                <a:cs typeface="Avenir Medium"/>
+              </a:rPr>
+              <a:t>02_03d...</a:t>
+            </a:r>
+          </a:p>
+          <a:p>
+            <a:pPr lvl="1"/>
+            <a:r>
+              <a:rPr lang="ro-RO" sz="2600" dirty="0">
+                <a:latin typeface="Avenir Medium"/>
+                <a:cs typeface="Avenir Medium"/>
+              </a:rPr>
+              <a:t>02_03e1...</a:t>
+            </a:r>
+          </a:p>
+          <a:p>
+            <a:pPr lvl="1"/>
+            <a:r>
+              <a:rPr lang="ro-RO" sz="2600">
+                <a:latin typeface="Avenir Medium"/>
+                <a:cs typeface="Avenir Medium"/>
+              </a:rPr>
+              <a:t>02_03e2...</a:t>
+            </a:r>
+            <a:endParaRPr lang="ro-RO" sz="2600" dirty="0">
+              <a:latin typeface="Avenir Medium"/>
+              <a:cs typeface="Avenir Medium"/>
+            </a:endParaRPr>
+          </a:p>
+          <a:p>
+            <a:pPr lvl="1"/>
+            <a:endParaRPr lang="ro-RO" sz="2600" dirty="0">
+              <a:latin typeface="Avenir Medium"/>
+              <a:cs typeface="Avenir Medium"/>
+            </a:endParaRPr>
+          </a:p>
+          <a:p>
+            <a:pPr marL="82296" indent="0">
+              <a:buNone/>
+            </a:pPr>
+            <a:endParaRPr lang="ro-RO" sz="3000" dirty="0">
+              <a:latin typeface="Avenir Medium"/>
+              <a:cs typeface="Avenir Medium"/>
+              <a:hlinkClick r:id="rId3"/>
+            </a:endParaRPr>
+          </a:p>
+          <a:p>
+            <a:pPr marL="82296" indent="0">
+              <a:buNone/>
+            </a:pPr>
+            <a:endParaRPr lang="ro-RO" sz="3000" dirty="0">
+              <a:latin typeface="Avenir Medium"/>
+              <a:cs typeface="Avenir Medium"/>
+              <a:hlinkClick r:id="rId3"/>
+            </a:endParaRPr>
+          </a:p>
+        </p:txBody>
+      </p:sp>
+    </p:spTree>
+    <p:extLst>
+      <p:ext uri="{BB962C8B-B14F-4D97-AF65-F5344CB8AC3E}">
+        <p14:creationId xmlns:p14="http://schemas.microsoft.com/office/powerpoint/2010/main" val="4135375688"/>
+      </p:ext>
+    </p:extLst>
+  </p:cSld>
+  <p:clrMapOvr>
+    <a:masterClrMapping/>
+  </p:clrMapOvr>
+  <p:transition>
+    <p:random/>
+  </p:transition>
+</p:sld>
+</file>
+
 <file path=ppt/slides/slide2.xml><?xml version="1.0" encoding="utf-8"?>
 <p:sld xmlns:a="http://schemas.openxmlformats.org/drawingml/2006/main" xmlns:r="http://schemas.openxmlformats.org/officeDocument/2006/relationships" xmlns:p="http://schemas.openxmlformats.org/presentationml/2006/main">
   <p:cSld>
@@ -6351,8 +6616,8 @@
         </p:blipFill>
         <p:spPr>
           <a:xfrm>
-            <a:off x="406400" y="0"/>
-            <a:ext cx="8314075" cy="6858000"/>
+            <a:off x="685800" y="230468"/>
+            <a:ext cx="8034675" cy="6627532"/>
           </a:xfrm>
           <a:prstGeom prst="rect">
             <a:avLst/>
@@ -6516,8 +6781,8 @@
         </p:blipFill>
         <p:spPr>
           <a:xfrm>
-            <a:off x="1678929" y="0"/>
-            <a:ext cx="7465071" cy="6858000"/>
+            <a:off x="1905000" y="207686"/>
+            <a:ext cx="7239000" cy="6650313"/>
           </a:xfrm>
           <a:prstGeom prst="rect">
             <a:avLst/>
@@ -6573,8 +6838,8 @@
         </p:blipFill>
         <p:spPr>
           <a:xfrm>
-            <a:off x="990600" y="0"/>
-            <a:ext cx="7648183" cy="6858000"/>
+            <a:off x="1371600" y="341636"/>
+            <a:ext cx="7267183" cy="6516364"/>
           </a:xfrm>
           <a:prstGeom prst="rect">
             <a:avLst/>

--- a/02_Basics of PL SQL/02-03_en_Packages.pptx
+++ b/02_Basics of PL SQL/02-03_en_Packages.pptx
@@ -15,11 +15,10 @@
     <p:sldId id="379" r:id="rId9"/>
     <p:sldId id="384" r:id="rId10"/>
     <p:sldId id="351" r:id="rId11"/>
-    <p:sldId id="383" r:id="rId12"/>
-    <p:sldId id="374" r:id="rId13"/>
-    <p:sldId id="375" r:id="rId14"/>
-    <p:sldId id="385" r:id="rId15"/>
-    <p:sldId id="378" r:id="rId16"/>
+    <p:sldId id="374" r:id="rId12"/>
+    <p:sldId id="375" r:id="rId13"/>
+    <p:sldId id="385" r:id="rId14"/>
+    <p:sldId id="378" r:id="rId15"/>
   </p:sldIdLst>
   <p:sldSz cx="9144000" cy="6858000" type="screen4x3"/>
   <p:notesSz cx="6858000" cy="9144000"/>
@@ -4849,7 +4848,7 @@
         </p:spPr>
         <p:txBody>
           <a:bodyPr>
-            <a:normAutofit lnSpcReduction="10000"/>
+            <a:normAutofit fontScale="92500" lnSpcReduction="20000"/>
           </a:bodyPr>
           <a:lstStyle/>
           <a:p>
@@ -4858,8 +4857,26 @@
                 <a:latin typeface="Avenir Medium"/>
                 <a:cs typeface="Avenir Medium"/>
               </a:rPr>
-              <a:t>Oracle2003_Cap09_PL_SQL2.pdf (Romanian) – uploaded on FEAA portal</a:t>
-            </a:r>
+              <a:t>Oracle2003_Cap09_PL_SQL2.pdf (Romanian) – uploaded on </a:t>
+            </a:r>
+            <a:r>
+              <a:rPr lang="ro-RO" sz="1200" dirty="0">
+                <a:latin typeface="Avenir Medium"/>
+                <a:cs typeface="Avenir Medium"/>
+                <a:hlinkClick r:id="rId3"/>
+              </a:rPr>
+              <a:t>https://github.com/marinfotache/Database-Logic-in-Business-Applications/tree/master/Oracle%209i2.%20Ghidul%20dezvoltarii%20aplicatiilor%202003</a:t>
+            </a:r>
+            <a:endParaRPr lang="ro-RO" sz="1200" dirty="0">
+              <a:latin typeface="Avenir Medium"/>
+              <a:cs typeface="Avenir Medium"/>
+            </a:endParaRPr>
+          </a:p>
+          <a:p>
+            <a:endParaRPr lang="ro-RO" sz="3000" dirty="0">
+              <a:latin typeface="Avenir Medium"/>
+              <a:cs typeface="Avenir Medium"/>
+            </a:endParaRPr>
           </a:p>
           <a:p>
             <a:r>
@@ -4867,8 +4884,26 @@
                 <a:latin typeface="Avenir Medium"/>
                 <a:cs typeface="Avenir Medium"/>
               </a:rPr>
-              <a:t>PL/SQL Tutorial (TutorialsPoint) – .pdf file – pp.92-95 - uploaded on FEAA portal</a:t>
-            </a:r>
+              <a:t>Oracle2003_Cap09_PL_SQL2.pdf (Romanian) – uploaded on </a:t>
+            </a:r>
+            <a:r>
+              <a:rPr lang="ro-RO" sz="1100" dirty="0">
+                <a:latin typeface="Avenir Medium"/>
+                <a:cs typeface="Avenir Medium"/>
+                <a:hlinkClick r:id="rId3"/>
+              </a:rPr>
+              <a:t>https://github.com/marinfotache/Database-Logic-in-Business-Applications/tree/master/Oracle%209i2.%20Ghidul%20dezvoltarii%20aplicatiilor%202003</a:t>
+            </a:r>
+            <a:endParaRPr lang="ro-RO" sz="1100" dirty="0">
+              <a:latin typeface="Avenir Medium"/>
+              <a:cs typeface="Avenir Medium"/>
+            </a:endParaRPr>
+          </a:p>
+          <a:p>
+            <a:endParaRPr lang="ro-RO" sz="3000" dirty="0">
+              <a:latin typeface="Avenir Medium"/>
+              <a:cs typeface="Avenir Medium"/>
+            </a:endParaRPr>
           </a:p>
           <a:p>
             <a:r>
@@ -4876,26 +4911,148 @@
                 <a:latin typeface="Avenir Medium"/>
                 <a:cs typeface="Avenir Medium"/>
               </a:rPr>
-              <a:t>Oracle2003_Cap09_PL_SQL2.pdf (Romanian) – uploaded on FEAA portal</a:t>
-            </a:r>
-          </a:p>
-          <a:p>
+              <a:t>PL/SQL </a:t>
+            </a:r>
+            <a:r>
+              <a:rPr lang="ro-RO" sz="3000" dirty="0" err="1">
+                <a:latin typeface="Avenir Medium"/>
+                <a:cs typeface="Avenir Medium"/>
+              </a:rPr>
+              <a:t>Tutorial</a:t>
+            </a:r>
             <a:r>
               <a:rPr lang="ro-RO" sz="3000" dirty="0">
                 <a:latin typeface="Avenir Medium"/>
                 <a:cs typeface="Avenir Medium"/>
               </a:rPr>
-              <a:t>fiola28_BalanteContabile_august2002.pdf (Romanian) – uploaded on FEAA portal</a:t>
-            </a:r>
-          </a:p>
-          <a:p>
+              <a:t> (</a:t>
+            </a:r>
+            <a:r>
+              <a:rPr lang="ro-RO" sz="3000" dirty="0" err="1">
+                <a:latin typeface="Avenir Medium"/>
+                <a:cs typeface="Avenir Medium"/>
+              </a:rPr>
+              <a:t>TutorialsPoint</a:t>
+            </a:r>
             <a:r>
               <a:rPr lang="ro-RO" sz="3000" dirty="0">
                 <a:latin typeface="Avenir Medium"/>
                 <a:cs typeface="Avenir Medium"/>
               </a:rPr>
-              <a:t>Proceduri stocate şi recursivitate în PLSQL_NetReport_dec2002.pdf (Romanian) – uploaded on FEAA portal (for recursivity – 2)</a:t>
-            </a:r>
+              <a:t>)</a:t>
+            </a:r>
+          </a:p>
+          <a:p>
+            <a:pPr marL="82296" indent="0">
+              <a:buNone/>
+            </a:pPr>
+            <a:r>
+              <a:rPr lang="ro-RO" sz="3000" dirty="0">
+                <a:latin typeface="Avenir Medium"/>
+                <a:cs typeface="Avenir Medium"/>
+                <a:hlinkClick r:id="rId4"/>
+              </a:rPr>
+              <a:t>http://www.tutorialspoint.com/plsql/index.htm</a:t>
+            </a:r>
+            <a:endParaRPr lang="ro-RO" sz="3000" dirty="0">
+              <a:latin typeface="Avenir Medium"/>
+              <a:cs typeface="Avenir Medium"/>
+            </a:endParaRPr>
+          </a:p>
+          <a:p>
+            <a:r>
+              <a:rPr lang="ro-RO" sz="3000" dirty="0" err="1">
+                <a:latin typeface="Avenir Medium"/>
+                <a:cs typeface="Avenir Medium"/>
+              </a:rPr>
+              <a:t>pl</a:t>
+            </a:r>
+            <a:r>
+              <a:rPr lang="ro-RO" sz="3000" dirty="0">
+                <a:latin typeface="Avenir Medium"/>
+                <a:cs typeface="Avenir Medium"/>
+              </a:rPr>
+              <a:t>/</a:t>
+            </a:r>
+            <a:r>
+              <a:rPr lang="ro-RO" sz="3000" dirty="0" err="1">
+                <a:latin typeface="Avenir Medium"/>
+                <a:cs typeface="Avenir Medium"/>
+              </a:rPr>
+              <a:t>sql</a:t>
+            </a:r>
+            <a:r>
+              <a:rPr lang="ro-RO" sz="3000" dirty="0">
+                <a:latin typeface="Avenir Medium"/>
+                <a:cs typeface="Avenir Medium"/>
+              </a:rPr>
+              <a:t> </a:t>
+            </a:r>
+            <a:r>
+              <a:rPr lang="ro-RO" sz="3000" dirty="0" err="1">
+                <a:latin typeface="Avenir Medium"/>
+                <a:cs typeface="Avenir Medium"/>
+              </a:rPr>
+              <a:t>tutorial</a:t>
+            </a:r>
+            <a:endParaRPr lang="ro-RO" sz="3000" dirty="0">
+              <a:latin typeface="Avenir Medium"/>
+              <a:cs typeface="Avenir Medium"/>
+            </a:endParaRPr>
+          </a:p>
+          <a:p>
+            <a:pPr marL="82296" indent="0">
+              <a:buNone/>
+            </a:pPr>
+            <a:r>
+              <a:rPr lang="ro-RO" sz="3000" dirty="0">
+                <a:latin typeface="Avenir Medium"/>
+                <a:cs typeface="Avenir Medium"/>
+                <a:hlinkClick r:id="rId5"/>
+              </a:rPr>
+              <a:t>http://plsql-tutorial.com</a:t>
+            </a:r>
+            <a:endParaRPr lang="ro-RO" sz="3000" dirty="0">
+              <a:latin typeface="Avenir Medium"/>
+              <a:cs typeface="Avenir Medium"/>
+            </a:endParaRPr>
+          </a:p>
+          <a:p>
+            <a:r>
+              <a:rPr lang="ro-RO" sz="3000" dirty="0">
+                <a:latin typeface="Avenir Medium"/>
+                <a:cs typeface="Avenir Medium"/>
+              </a:rPr>
+              <a:t>PL/SQL </a:t>
+            </a:r>
+            <a:r>
+              <a:rPr lang="ro-RO" sz="3000" dirty="0" err="1">
+                <a:latin typeface="Avenir Medium"/>
+                <a:cs typeface="Avenir Medium"/>
+              </a:rPr>
+              <a:t>Tutorial</a:t>
+            </a:r>
+            <a:endParaRPr lang="ro-RO" sz="3000" dirty="0">
+              <a:latin typeface="Avenir Medium"/>
+              <a:cs typeface="Avenir Medium"/>
+            </a:endParaRPr>
+          </a:p>
+          <a:p>
+            <a:pPr marL="82296" indent="0">
+              <a:buNone/>
+            </a:pPr>
+            <a:r>
+              <a:rPr lang="ro-RO" sz="3000" dirty="0">
+                <a:latin typeface="Avenir Medium"/>
+                <a:cs typeface="Avenir Medium"/>
+                <a:hlinkClick r:id="rId6"/>
+              </a:rPr>
+              <a:t>http://www.plsqltutorial.com</a:t>
+            </a:r>
+            <a:endParaRPr lang="ro-RO" sz="3000" dirty="0">
+              <a:latin typeface="Avenir Medium"/>
+              <a:cs typeface="Avenir Medium"/>
+            </a:endParaRPr>
           </a:p>
           <a:p>
             <a:endParaRPr lang="ro-RO" sz="3000" dirty="0">
@@ -4933,11 +5090,6 @@
 <file path=ppt/slides/slide11.xml><?xml version="1.0" encoding="utf-8"?>
 <p:sld xmlns:a="http://schemas.openxmlformats.org/drawingml/2006/main" xmlns:r="http://schemas.openxmlformats.org/officeDocument/2006/relationships" xmlns:p="http://schemas.openxmlformats.org/presentationml/2006/main">
   <p:cSld>
-    <p:bg>
-      <p:bgRef idx="1003">
-        <a:schemeClr val="bg2"/>
-      </p:bgRef>
-    </p:bg>
     <p:spTree>
       <p:nvGrpSpPr>
         <p:cNvPr id="1" name=""/>
@@ -4981,7 +5133,7 @@
                 <a:ea typeface="Arial Unicode MS" panose="020B0604020202020204" pitchFamily="34" charset="-128"/>
                 <a:cs typeface="American Typewriter"/>
               </a:rPr>
-              <a:t>Useful Resources (cont.)</a:t>
+              <a:t>Video-tutorials</a:t>
             </a:r>
             <a:endParaRPr lang="en-US" sz="3600" dirty="0">
               <a:latin typeface="American Typewriter"/>
@@ -5004,12 +5156,12 @@
         <p:spPr>
           <a:xfrm>
             <a:off x="762000" y="1219200"/>
-            <a:ext cx="8229600" cy="5638800"/>
+            <a:ext cx="8382000" cy="5638800"/>
           </a:xfrm>
         </p:spPr>
         <p:txBody>
           <a:bodyPr>
-            <a:normAutofit fontScale="77500" lnSpcReduction="20000"/>
+            <a:normAutofit fontScale="85000" lnSpcReduction="10000"/>
           </a:bodyPr>
           <a:lstStyle/>
           <a:p>
@@ -5018,7 +5170,14 @@
                 <a:latin typeface="Avenir Medium"/>
                 <a:cs typeface="Avenir Medium"/>
               </a:rPr>
-              <a:t>PL/SQL Tutorial (TutorialsPoint)</a:t>
+              <a:t>An older video-tutorial (in Romanian):  </a:t>
+            </a:r>
+            <a:r>
+              <a:rPr lang="ro-RO" sz="3000" i="1" dirty="0">
+                <a:latin typeface="Avenir Medium"/>
+                <a:cs typeface="Avenir Medium"/>
+              </a:rPr>
+              <a:t>05_PL SQL – Pachete.mp4</a:t>
             </a:r>
           </a:p>
           <a:p>
@@ -5029,10 +5188,27 @@
               <a:rPr lang="ro-RO" sz="3000" dirty="0">
                 <a:latin typeface="Avenir Medium"/>
                 <a:cs typeface="Avenir Medium"/>
-                <a:hlinkClick r:id="rId3"/>
-              </a:rPr>
-              <a:t>http://www.tutorialspoint.com/plsql/index.htm</a:t>
-            </a:r>
+                <a:hlinkClick r:id="rId2"/>
+              </a:rPr>
+              <a:t>https</a:t>
+            </a:r>
+            <a:r>
+              <a:rPr lang="ro-RO" sz="3000">
+                <a:latin typeface="Avenir Medium"/>
+                <a:cs typeface="Avenir Medium"/>
+                <a:hlinkClick r:id="rId2"/>
+              </a:rPr>
+              <a:t>://1drv.ms/v/s!AgPvmBEDzTOSwlwA6IclMmi63jzq</a:t>
+            </a:r>
+            <a:endParaRPr lang="ro-RO" sz="3000">
+              <a:latin typeface="Avenir Medium"/>
+              <a:cs typeface="Avenir Medium"/>
+            </a:endParaRPr>
+          </a:p>
+          <a:p>
+            <a:pPr marL="82296" indent="0">
+              <a:buNone/>
+            </a:pPr>
             <a:endParaRPr lang="ro-RO" sz="3000" dirty="0">
               <a:latin typeface="Avenir Medium"/>
               <a:cs typeface="Avenir Medium"/>
@@ -5044,8 +5220,13 @@
                 <a:latin typeface="Avenir Medium"/>
                 <a:cs typeface="Avenir Medium"/>
               </a:rPr>
-              <a:t>pl/sql tutorial</a:t>
-            </a:r>
+              <a:t>Oracle PLSQL Training | How to Create an Oracle PL-SQL Package Specification | Video Tutorial</a:t>
+            </a:r>
+            <a:endParaRPr lang="ro-RO" sz="3000" dirty="0">
+              <a:latin typeface="Avenir Medium"/>
+              <a:cs typeface="Avenir Medium"/>
+              <a:hlinkClick r:id="rId3"/>
+            </a:endParaRPr>
           </a:p>
           <a:p>
             <a:pPr marL="82296" indent="0">
@@ -5057,7 +5238,7 @@
                 <a:cs typeface="Avenir Medium"/>
                 <a:hlinkClick r:id="rId4"/>
               </a:rPr>
-              <a:t>http://plsql-tutorial.com</a:t>
+              <a:t>https://www.youtube.com/watch?v=08bc7aI0ebw&amp;list=PLedfdcv1ztFkKCn3fCFK_MrgzHOAcjy9v&amp;spfreload=10</a:t>
             </a:r>
             <a:endParaRPr lang="ro-RO" sz="3000" dirty="0">
               <a:latin typeface="Avenir Medium"/>
@@ -5070,7 +5251,7 @@
                 <a:latin typeface="Avenir Medium"/>
                 <a:cs typeface="Avenir Medium"/>
               </a:rPr>
-              <a:t>PL/SQL Tutorial</a:t>
+              <a:t>Package In PLSQL</a:t>
             </a:r>
           </a:p>
           <a:p>
@@ -5083,7 +5264,7 @@
                 <a:cs typeface="Avenir Medium"/>
                 <a:hlinkClick r:id="rId5"/>
               </a:rPr>
-              <a:t>http://www.plsqltutorial.com</a:t>
+              <a:t>https://www.youtube.com/watch?v=P7CGBEALDZQ&amp;list=PLedfdcv1ztFkKCn3fCFK_MrgzHOAcjy9v&amp;index=2&amp;spfreload=10</a:t>
             </a:r>
             <a:endParaRPr lang="ro-RO" sz="3000" dirty="0">
               <a:latin typeface="Avenir Medium"/>
@@ -5091,64 +5272,25 @@
             </a:endParaRPr>
           </a:p>
           <a:p>
-            <a:pPr>
-              <a:lnSpc>
-                <a:spcPct val="110000"/>
-              </a:lnSpc>
+            <a:pPr marL="82296" indent="0">
+              <a:buNone/>
             </a:pPr>
-            <a:r>
-              <a:rPr lang="ro-RO" sz="3000" dirty="0">
-                <a:latin typeface="Avenir Medium"/>
-                <a:cs typeface="Avenir Medium"/>
-              </a:rPr>
-              <a:t>Steven Feuerstein - Wrap Your Code in a Neat Package, Oracle Magazine, January/February 2013, </a:t>
-            </a:r>
-            <a:r>
-              <a:rPr lang="ro-RO" sz="3000" dirty="0">
-                <a:latin typeface="Avenir Medium"/>
-                <a:cs typeface="Avenir Medium"/>
-                <a:hlinkClick r:id="rId6"/>
-              </a:rPr>
-              <a:t>http://www.oracle.com/technetwork/issue-archive/2013/13-jan/o13plsql-1872456.html</a:t>
-            </a:r>
             <a:endParaRPr lang="ro-RO" sz="3000" dirty="0">
               <a:latin typeface="Avenir Medium"/>
               <a:cs typeface="Avenir Medium"/>
             </a:endParaRPr>
           </a:p>
-          <a:p>
-            <a:pPr>
-              <a:lnSpc>
-                <a:spcPct val="110000"/>
-              </a:lnSpc>
-            </a:pPr>
-            <a:r>
-              <a:rPr lang="ro-RO" sz="3000" dirty="0">
-                <a:latin typeface="Avenir Medium"/>
-                <a:cs typeface="Avenir Medium"/>
-              </a:rPr>
-              <a:t>Steven Feuerstein - The Data Dictionary: Make Views Work for You, Oracle Magazine, November/December 2012, </a:t>
-            </a:r>
-            <a:r>
-              <a:rPr lang="ro-RO" sz="3000" dirty="0">
-                <a:latin typeface="Avenir Medium"/>
-                <a:cs typeface="Avenir Medium"/>
-                <a:hlinkClick r:id="rId6"/>
-              </a:rPr>
-              <a:t>http://www.oracle.com/technetwork/issue-archive/2012/12-nov/o62plsql-1851968.htmll</a:t>
-            </a:r>
-          </a:p>
         </p:txBody>
       </p:sp>
     </p:spTree>
     <p:extLst>
       <p:ext uri="{BB962C8B-B14F-4D97-AF65-F5344CB8AC3E}">
-        <p14:creationId xmlns:p14="http://schemas.microsoft.com/office/powerpoint/2010/main" val="1104757617"/>
+        <p14:creationId xmlns:p14="http://schemas.microsoft.com/office/powerpoint/2010/main" val="3509247245"/>
       </p:ext>
     </p:extLst>
   </p:cSld>
   <p:clrMapOvr>
-    <a:overrideClrMapping bg1="lt1" tx1="dk1" bg2="lt2" tx2="dk2" accent1="accent1" accent2="accent2" accent3="accent3" accent4="accent4" accent5="accent5" accent6="accent6" hlink="hlink" folHlink="folHlink"/>
+    <a:masterClrMapping/>
   </p:clrMapOvr>
   <p:transition>
     <p:random/>
@@ -5202,7 +5344,7 @@
                 <a:ea typeface="Arial Unicode MS" panose="020B0604020202020204" pitchFamily="34" charset="-128"/>
                 <a:cs typeface="American Typewriter"/>
               </a:rPr>
-              <a:t>Video-tutorials</a:t>
+              <a:t>Video-tutorials (cont.) </a:t>
             </a:r>
             <a:endParaRPr lang="en-US" sz="3600" dirty="0">
               <a:latin typeface="American Typewriter"/>
@@ -5224,13 +5366,13 @@
         </p:nvSpPr>
         <p:spPr>
           <a:xfrm>
-            <a:off x="762000" y="1219200"/>
-            <a:ext cx="8382000" cy="5638800"/>
+            <a:off x="685800" y="1219200"/>
+            <a:ext cx="8305800" cy="5638800"/>
           </a:xfrm>
         </p:spPr>
         <p:txBody>
           <a:bodyPr>
-            <a:normAutofit fontScale="85000" lnSpcReduction="10000"/>
+            <a:normAutofit/>
           </a:bodyPr>
           <a:lstStyle/>
           <a:p>
@@ -5239,14 +5381,7 @@
                 <a:latin typeface="Avenir Medium"/>
                 <a:cs typeface="Avenir Medium"/>
               </a:rPr>
-              <a:t>An older video-tutorial (in Romanian):  </a:t>
-            </a:r>
-            <a:r>
-              <a:rPr lang="ro-RO" sz="3000" i="1" dirty="0">
-                <a:latin typeface="Avenir Medium"/>
-                <a:cs typeface="Avenir Medium"/>
-              </a:rPr>
-              <a:t>05_PL SQL – Pachete.mp4</a:t>
+              <a:t>See also the following video-tutorials in the playlist:</a:t>
             </a:r>
           </a:p>
           <a:p>
@@ -5259,19 +5394,48 @@
                 <a:cs typeface="Avenir Medium"/>
                 <a:hlinkClick r:id="rId2"/>
               </a:rPr>
-              <a:t>https</a:t>
-            </a:r>
-            <a:r>
-              <a:rPr lang="ro-RO" sz="3000">
-                <a:latin typeface="Avenir Medium"/>
-                <a:cs typeface="Avenir Medium"/>
-                <a:hlinkClick r:id="rId2"/>
-              </a:rPr>
-              <a:t>://1drv.ms/v/s!AgPvmBEDzTOSwlwA6IclMmi63jzq</a:t>
-            </a:r>
-            <a:endParaRPr lang="ro-RO" sz="3000">
+              <a:t>https://www.youtube.com/playlist?list=PL3245012E0631F7AE&amp;spfreload=10</a:t>
+            </a:r>
+            <a:endParaRPr lang="ro-RO" sz="3000" dirty="0">
               <a:latin typeface="Avenir Medium"/>
               <a:cs typeface="Avenir Medium"/>
+            </a:endParaRPr>
+          </a:p>
+          <a:p>
+            <a:pPr lvl="1"/>
+            <a:r>
+              <a:rPr lang="ro-RO" sz="3100" dirty="0">
+                <a:latin typeface="Calibri"/>
+                <a:cs typeface="Calibri"/>
+              </a:rPr>
+              <a:t>PLS-24: PL/SQL Package Introduction</a:t>
+            </a:r>
+          </a:p>
+          <a:p>
+            <a:pPr lvl="1"/>
+            <a:r>
+              <a:rPr lang="ro-RO" sz="3100" dirty="0">
+                <a:latin typeface="Calibri"/>
+                <a:cs typeface="Calibri"/>
+              </a:rPr>
+              <a:t>PLS-25: Visibility Rules in PL/SQL Packages</a:t>
+            </a:r>
+          </a:p>
+          <a:p>
+            <a:pPr lvl="1"/>
+            <a:r>
+              <a:rPr lang="ro-RO" sz="3100" dirty="0">
+                <a:latin typeface="Calibri"/>
+                <a:cs typeface="Calibri"/>
+              </a:rPr>
+              <a:t>PLS-26: Stored Program Overloading in PL/SQL</a:t>
+            </a:r>
+          </a:p>
+          <a:p>
+            <a:pPr lvl="1"/>
+            <a:endParaRPr lang="ro-RO" sz="3100" dirty="0">
+              <a:latin typeface="Calibri"/>
+              <a:cs typeface="Calibri"/>
             </a:endParaRPr>
           </a:p>
           <a:p>
@@ -5284,63 +5448,6 @@
             </a:endParaRPr>
           </a:p>
           <a:p>
-            <a:r>
-              <a:rPr lang="ro-RO" sz="3000" dirty="0">
-                <a:latin typeface="Avenir Medium"/>
-                <a:cs typeface="Avenir Medium"/>
-              </a:rPr>
-              <a:t>Oracle PLSQL Training | How to Create an Oracle PL-SQL Package Specification | Video Tutorial</a:t>
-            </a:r>
-            <a:endParaRPr lang="ro-RO" sz="3000" dirty="0">
-              <a:latin typeface="Avenir Medium"/>
-              <a:cs typeface="Avenir Medium"/>
-              <a:hlinkClick r:id="rId3"/>
-            </a:endParaRPr>
-          </a:p>
-          <a:p>
-            <a:pPr marL="82296" indent="0">
-              <a:buNone/>
-            </a:pPr>
-            <a:r>
-              <a:rPr lang="ro-RO" sz="3000" dirty="0">
-                <a:latin typeface="Avenir Medium"/>
-                <a:cs typeface="Avenir Medium"/>
-                <a:hlinkClick r:id="rId4"/>
-              </a:rPr>
-              <a:t>https://www.youtube.com/watch?v=08bc7aI0ebw&amp;list=PLedfdcv1ztFkKCn3fCFK_MrgzHOAcjy9v&amp;spfreload=10</a:t>
-            </a:r>
-            <a:endParaRPr lang="ro-RO" sz="3000" dirty="0">
-              <a:latin typeface="Avenir Medium"/>
-              <a:cs typeface="Avenir Medium"/>
-            </a:endParaRPr>
-          </a:p>
-          <a:p>
-            <a:r>
-              <a:rPr lang="ro-RO" sz="3000" dirty="0">
-                <a:latin typeface="Avenir Medium"/>
-                <a:cs typeface="Avenir Medium"/>
-              </a:rPr>
-              <a:t>Package In PLSQL</a:t>
-            </a:r>
-          </a:p>
-          <a:p>
-            <a:pPr marL="82296" indent="0">
-              <a:buNone/>
-            </a:pPr>
-            <a:r>
-              <a:rPr lang="ro-RO" sz="3000" dirty="0">
-                <a:latin typeface="Avenir Medium"/>
-                <a:cs typeface="Avenir Medium"/>
-                <a:hlinkClick r:id="rId5"/>
-              </a:rPr>
-              <a:t>https://www.youtube.com/watch?v=P7CGBEALDZQ&amp;list=PLedfdcv1ztFkKCn3fCFK_MrgzHOAcjy9v&amp;index=2&amp;spfreload=10</a:t>
-            </a:r>
-            <a:endParaRPr lang="ro-RO" sz="3000" dirty="0">
-              <a:latin typeface="Avenir Medium"/>
-              <a:cs typeface="Avenir Medium"/>
-            </a:endParaRPr>
-          </a:p>
-          <a:p>
             <a:pPr marL="82296" indent="0">
               <a:buNone/>
             </a:pPr>
@@ -5354,7 +5461,7 @@
     </p:spTree>
     <p:extLst>
       <p:ext uri="{BB962C8B-B14F-4D97-AF65-F5344CB8AC3E}">
-        <p14:creationId xmlns:p14="http://schemas.microsoft.com/office/powerpoint/2010/main" val="3509247245"/>
+        <p14:creationId xmlns:p14="http://schemas.microsoft.com/office/powerpoint/2010/main" val="345990516"/>
       </p:ext>
     </p:extLst>
   </p:cSld>
@@ -5413,182 +5520,6 @@
                 <a:ea typeface="Arial Unicode MS" panose="020B0604020202020204" pitchFamily="34" charset="-128"/>
                 <a:cs typeface="American Typewriter"/>
               </a:rPr>
-              <a:t>Video-tutorials (cont.) </a:t>
-            </a:r>
-            <a:endParaRPr lang="en-US" sz="3600" dirty="0">
-              <a:latin typeface="American Typewriter"/>
-              <a:ea typeface="Arial Unicode MS" panose="020B0604020202020204" pitchFamily="34" charset="-128"/>
-              <a:cs typeface="American Typewriter"/>
-            </a:endParaRPr>
-          </a:p>
-        </p:txBody>
-      </p:sp>
-      <p:sp>
-        <p:nvSpPr>
-          <p:cNvPr id="3" name="Content Placeholder 2"/>
-          <p:cNvSpPr>
-            <a:spLocks noGrp="1"/>
-          </p:cNvSpPr>
-          <p:nvPr>
-            <p:ph idx="1"/>
-          </p:nvPr>
-        </p:nvSpPr>
-        <p:spPr>
-          <a:xfrm>
-            <a:off x="685800" y="1219200"/>
-            <a:ext cx="8305800" cy="5638800"/>
-          </a:xfrm>
-        </p:spPr>
-        <p:txBody>
-          <a:bodyPr>
-            <a:normAutofit/>
-          </a:bodyPr>
-          <a:lstStyle/>
-          <a:p>
-            <a:r>
-              <a:rPr lang="ro-RO" sz="3000" dirty="0">
-                <a:latin typeface="Avenir Medium"/>
-                <a:cs typeface="Avenir Medium"/>
-              </a:rPr>
-              <a:t>See also the following video-tutorials in the playlist:</a:t>
-            </a:r>
-          </a:p>
-          <a:p>
-            <a:pPr marL="82296" indent="0">
-              <a:buNone/>
-            </a:pPr>
-            <a:r>
-              <a:rPr lang="ro-RO" sz="3000" dirty="0">
-                <a:latin typeface="Avenir Medium"/>
-                <a:cs typeface="Avenir Medium"/>
-                <a:hlinkClick r:id="rId2"/>
-              </a:rPr>
-              <a:t>https://www.youtube.com/playlist?list=PL3245012E0631F7AE&amp;spfreload=10</a:t>
-            </a:r>
-            <a:endParaRPr lang="ro-RO" sz="3000" dirty="0">
-              <a:latin typeface="Avenir Medium"/>
-              <a:cs typeface="Avenir Medium"/>
-            </a:endParaRPr>
-          </a:p>
-          <a:p>
-            <a:pPr lvl="1"/>
-            <a:r>
-              <a:rPr lang="ro-RO" sz="3100" dirty="0">
-                <a:latin typeface="Calibri"/>
-                <a:cs typeface="Calibri"/>
-              </a:rPr>
-              <a:t>PLS-24: PL/SQL Package Introduction</a:t>
-            </a:r>
-          </a:p>
-          <a:p>
-            <a:pPr lvl="1"/>
-            <a:r>
-              <a:rPr lang="ro-RO" sz="3100" dirty="0">
-                <a:latin typeface="Calibri"/>
-                <a:cs typeface="Calibri"/>
-              </a:rPr>
-              <a:t>PLS-25: Visibility Rules in PL/SQL Packages</a:t>
-            </a:r>
-          </a:p>
-          <a:p>
-            <a:pPr lvl="1"/>
-            <a:r>
-              <a:rPr lang="ro-RO" sz="3100" dirty="0">
-                <a:latin typeface="Calibri"/>
-                <a:cs typeface="Calibri"/>
-              </a:rPr>
-              <a:t>PLS-26: Stored Program Overloading in PL/SQL</a:t>
-            </a:r>
-          </a:p>
-          <a:p>
-            <a:pPr lvl="1"/>
-            <a:endParaRPr lang="ro-RO" sz="3100" dirty="0">
-              <a:latin typeface="Calibri"/>
-              <a:cs typeface="Calibri"/>
-            </a:endParaRPr>
-          </a:p>
-          <a:p>
-            <a:pPr marL="82296" indent="0">
-              <a:buNone/>
-            </a:pPr>
-            <a:endParaRPr lang="ro-RO" sz="3000" dirty="0">
-              <a:latin typeface="Avenir Medium"/>
-              <a:cs typeface="Avenir Medium"/>
-            </a:endParaRPr>
-          </a:p>
-          <a:p>
-            <a:pPr marL="82296" indent="0">
-              <a:buNone/>
-            </a:pPr>
-            <a:endParaRPr lang="ro-RO" sz="3000" dirty="0">
-              <a:latin typeface="Avenir Medium"/>
-              <a:cs typeface="Avenir Medium"/>
-            </a:endParaRPr>
-          </a:p>
-        </p:txBody>
-      </p:sp>
-    </p:spTree>
-    <p:extLst>
-      <p:ext uri="{BB962C8B-B14F-4D97-AF65-F5344CB8AC3E}">
-        <p14:creationId xmlns:p14="http://schemas.microsoft.com/office/powerpoint/2010/main" val="345990516"/>
-      </p:ext>
-    </p:extLst>
-  </p:cSld>
-  <p:clrMapOvr>
-    <a:masterClrMapping/>
-  </p:clrMapOvr>
-  <p:transition>
-    <p:random/>
-  </p:transition>
-</p:sld>
-</file>
-
-<file path=ppt/slides/slide14.xml><?xml version="1.0" encoding="utf-8"?>
-<p:sld xmlns:a="http://schemas.openxmlformats.org/drawingml/2006/main" xmlns:r="http://schemas.openxmlformats.org/officeDocument/2006/relationships" xmlns:p="http://schemas.openxmlformats.org/presentationml/2006/main">
-  <p:cSld>
-    <p:spTree>
-      <p:nvGrpSpPr>
-        <p:cNvPr id="1" name=""/>
-        <p:cNvGrpSpPr/>
-        <p:nvPr/>
-      </p:nvGrpSpPr>
-      <p:grpSpPr>
-        <a:xfrm>
-          <a:off x="0" y="0"/>
-          <a:ext cx="0" cy="0"/>
-          <a:chOff x="0" y="0"/>
-          <a:chExt cx="0" cy="0"/>
-        </a:xfrm>
-      </p:grpSpPr>
-      <p:sp>
-        <p:nvSpPr>
-          <p:cNvPr id="2" name="Title 1"/>
-          <p:cNvSpPr>
-            <a:spLocks noGrp="1"/>
-          </p:cNvSpPr>
-          <p:nvPr>
-            <p:ph type="title"/>
-          </p:nvPr>
-        </p:nvSpPr>
-        <p:spPr>
-          <a:xfrm>
-            <a:off x="152400" y="76200"/>
-            <a:ext cx="8763000" cy="1143000"/>
-          </a:xfrm>
-        </p:spPr>
-        <p:txBody>
-          <a:bodyPr anchor="ctr">
-            <a:normAutofit/>
-          </a:bodyPr>
-          <a:lstStyle/>
-          <a:p>
-            <a:pPr algn="ctr"/>
-            <a:r>
-              <a:rPr lang="ro-RO" sz="3600" dirty="0">
-                <a:latin typeface="American Typewriter"/>
-                <a:ea typeface="Arial Unicode MS" panose="020B0604020202020204" pitchFamily="34" charset="-128"/>
-                <a:cs typeface="American Typewriter"/>
-              </a:rPr>
               <a:t>Text (in Romanian)</a:t>
             </a:r>
             <a:endParaRPr lang="en-US" sz="3600" dirty="0">
@@ -5745,7 +5676,7 @@
 </p:sld>
 </file>
 
-<file path=ppt/slides/slide15.xml><?xml version="1.0" encoding="utf-8"?>
+<file path=ppt/slides/slide14.xml><?xml version="1.0" encoding="utf-8"?>
 <p:sld xmlns:a="http://schemas.openxmlformats.org/drawingml/2006/main" xmlns:r="http://schemas.openxmlformats.org/officeDocument/2006/relationships" xmlns:p="http://schemas.openxmlformats.org/presentationml/2006/main">
   <p:cSld>
     <p:spTree>
@@ -7738,47 +7669,4 @@
     </a:folHlink>
   </a:clrScheme>
 </a:themeOverride>
-</file>
-
-<file path=ppt/theme/themeOverride3.xml><?xml version="1.0" encoding="utf-8"?>
-<a:themeOverride xmlns:a="http://schemas.openxmlformats.org/drawingml/2006/main">
-  <a:clrScheme name="Solstice">
-    <a:dk1>
-      <a:sysClr val="windowText" lastClr="000000"/>
-    </a:dk1>
-    <a:lt1>
-      <a:sysClr val="window" lastClr="FFFFFF"/>
-    </a:lt1>
-    <a:dk2>
-      <a:srgbClr val="4F271C"/>
-    </a:dk2>
-    <a:lt2>
-      <a:srgbClr val="E7DEC9"/>
-    </a:lt2>
-    <a:accent1>
-      <a:srgbClr val="3891A7"/>
-    </a:accent1>
-    <a:accent2>
-      <a:srgbClr val="FEB80A"/>
-    </a:accent2>
-    <a:accent3>
-      <a:srgbClr val="C32D2E"/>
-    </a:accent3>
-    <a:accent4>
-      <a:srgbClr val="84AA33"/>
-    </a:accent4>
-    <a:accent5>
-      <a:srgbClr val="964305"/>
-    </a:accent5>
-    <a:accent6>
-      <a:srgbClr val="475A8D"/>
-    </a:accent6>
-    <a:hlink>
-      <a:srgbClr val="8DC765"/>
-    </a:hlink>
-    <a:folHlink>
-      <a:srgbClr val="AA8A14"/>
-    </a:folHlink>
-  </a:clrScheme>
-</a:themeOverride>
 </file>